--- a/__Eval/2021-01-10PrésentationSuiviProjetFilRouge.pptx
+++ b/__Eval/2021-01-10PrésentationSuiviProjetFilRouge.pptx
@@ -124,6 +124,11 @@
       </a:defRPr>
     </a:lvl9pPr>
   </p:defaultTextStyle>
+  <p:extLst>
+    <p:ext uri="{EFAFB233-063F-42B5-8137-9DF3F51BA10A}">
+      <p15:sldGuideLst xmlns:p15="http://schemas.microsoft.com/office/powerpoint/2012/main"/>
+    </p:ext>
+  </p:extLst>
 </p:presentation>
 </file>
 
@@ -13604,7 +13609,7 @@
           <a:p>
             <a:fld id="{F3A88A0E-6741-4D88-B2E8-BB7487734AF8}" type="datetimeFigureOut">
               <a:rPr lang="fr-FR" smtClean="0"/>
-              <a:t>10/01/2021</a:t>
+              <a:t>11/01/2021</a:t>
             </a:fld>
             <a:endParaRPr lang="fr-FR"/>
           </a:p>
@@ -14208,7 +14213,7 @@
           <a:p>
             <a:fld id="{C6EC2B50-AE8F-416A-9D50-1EA7F8ECECF9}" type="datetimeFigureOut">
               <a:rPr lang="fr-FR" smtClean="0"/>
-              <a:t>10/01/2021</a:t>
+              <a:t>11/01/2021</a:t>
             </a:fld>
             <a:endParaRPr lang="fr-FR"/>
           </a:p>
@@ -14538,7 +14543,7 @@
           <a:p>
             <a:fld id="{C6EC2B50-AE8F-416A-9D50-1EA7F8ECECF9}" type="datetimeFigureOut">
               <a:rPr lang="fr-FR" smtClean="0"/>
-              <a:t>10/01/2021</a:t>
+              <a:t>11/01/2021</a:t>
             </a:fld>
             <a:endParaRPr lang="fr-FR"/>
           </a:p>
@@ -14718,7 +14723,7 @@
           <a:p>
             <a:fld id="{C6EC2B50-AE8F-416A-9D50-1EA7F8ECECF9}" type="datetimeFigureOut">
               <a:rPr lang="fr-FR" smtClean="0"/>
-              <a:t>10/01/2021</a:t>
+              <a:t>11/01/2021</a:t>
             </a:fld>
             <a:endParaRPr lang="fr-FR"/>
           </a:p>
@@ -14888,7 +14893,7 @@
           <a:p>
             <a:fld id="{C6EC2B50-AE8F-416A-9D50-1EA7F8ECECF9}" type="datetimeFigureOut">
               <a:rPr lang="fr-FR" smtClean="0"/>
-              <a:t>10/01/2021</a:t>
+              <a:t>11/01/2021</a:t>
             </a:fld>
             <a:endParaRPr lang="fr-FR"/>
           </a:p>
@@ -15165,7 +15170,7 @@
           <a:p>
             <a:fld id="{C6EC2B50-AE8F-416A-9D50-1EA7F8ECECF9}" type="datetimeFigureOut">
               <a:rPr lang="fr-FR" smtClean="0"/>
-              <a:t>10/01/2021</a:t>
+              <a:t>11/01/2021</a:t>
             </a:fld>
             <a:endParaRPr lang="fr-FR"/>
           </a:p>
@@ -15559,7 +15564,7 @@
           <a:p>
             <a:fld id="{C6EC2B50-AE8F-416A-9D50-1EA7F8ECECF9}" type="datetimeFigureOut">
               <a:rPr lang="fr-FR" smtClean="0"/>
-              <a:t>10/01/2021</a:t>
+              <a:t>11/01/2021</a:t>
             </a:fld>
             <a:endParaRPr lang="fr-FR"/>
           </a:p>
@@ -16036,7 +16041,7 @@
           <a:p>
             <a:fld id="{C6EC2B50-AE8F-416A-9D50-1EA7F8ECECF9}" type="datetimeFigureOut">
               <a:rPr lang="fr-FR" smtClean="0"/>
-              <a:t>10/01/2021</a:t>
+              <a:t>11/01/2021</a:t>
             </a:fld>
             <a:endParaRPr lang="fr-FR"/>
           </a:p>
@@ -16154,7 +16159,7 @@
           <a:p>
             <a:fld id="{C6EC2B50-AE8F-416A-9D50-1EA7F8ECECF9}" type="datetimeFigureOut">
               <a:rPr lang="fr-FR" smtClean="0"/>
-              <a:t>10/01/2021</a:t>
+              <a:t>11/01/2021</a:t>
             </a:fld>
             <a:endParaRPr lang="fr-FR"/>
           </a:p>
@@ -16249,7 +16254,7 @@
           <a:p>
             <a:fld id="{C6EC2B50-AE8F-416A-9D50-1EA7F8ECECF9}" type="datetimeFigureOut">
               <a:rPr lang="fr-FR" smtClean="0"/>
-              <a:t>10/01/2021</a:t>
+              <a:t>11/01/2021</a:t>
             </a:fld>
             <a:endParaRPr lang="fr-FR"/>
           </a:p>
@@ -16595,7 +16600,7 @@
           <a:p>
             <a:fld id="{C6EC2B50-AE8F-416A-9D50-1EA7F8ECECF9}" type="datetimeFigureOut">
               <a:rPr lang="fr-FR" smtClean="0"/>
-              <a:t>10/01/2021</a:t>
+              <a:t>11/01/2021</a:t>
             </a:fld>
             <a:endParaRPr lang="fr-FR"/>
           </a:p>
@@ -16983,7 +16988,7 @@
           <a:p>
             <a:fld id="{C6EC2B50-AE8F-416A-9D50-1EA7F8ECECF9}" type="datetimeFigureOut">
               <a:rPr lang="fr-FR" smtClean="0"/>
-              <a:t>10/01/2021</a:t>
+              <a:t>11/01/2021</a:t>
             </a:fld>
             <a:endParaRPr lang="fr-FR"/>
           </a:p>
@@ -17261,7 +17266,7 @@
           <a:p>
             <a:fld id="{C6EC2B50-AE8F-416A-9D50-1EA7F8ECECF9}" type="datetimeFigureOut">
               <a:rPr lang="fr-FR" smtClean="0"/>
-              <a:t>10/01/2021</a:t>
+              <a:t>11/01/2021</a:t>
             </a:fld>
             <a:endParaRPr lang="fr-FR"/>
           </a:p>
@@ -17853,13 +17858,13 @@
   <p:clrMapOvr>
     <a:masterClrMapping/>
   </p:clrMapOvr>
-  <mc:AlternateContent xmlns:mc="http://schemas.openxmlformats.org/markup-compatibility/2006">
-    <mc:Choice xmlns:p159="http://schemas.microsoft.com/office/powerpoint/2015/09/main" Requires="p159">
+  <mc:AlternateContent xmlns:mc="http://schemas.openxmlformats.org/markup-compatibility/2006" xmlns:p159="http://schemas.microsoft.com/office/powerpoint/2015/09/main">
+    <mc:Choice Requires="p159">
       <p:transition xmlns:p14="http://schemas.microsoft.com/office/powerpoint/2010/main" spd="slow" p14:dur="2000">
         <p159:morph option="byObject"/>
       </p:transition>
     </mc:Choice>
-    <mc:Fallback>
+    <mc:Fallback xmlns="">
       <p:transition spd="slow">
         <p:fade/>
       </p:transition>
@@ -18242,13 +18247,13 @@
   <p:clrMapOvr>
     <a:masterClrMapping/>
   </p:clrMapOvr>
-  <mc:AlternateContent xmlns:mc="http://schemas.openxmlformats.org/markup-compatibility/2006">
-    <mc:Choice xmlns:p159="http://schemas.microsoft.com/office/powerpoint/2015/09/main" Requires="p159">
+  <mc:AlternateContent xmlns:mc="http://schemas.openxmlformats.org/markup-compatibility/2006" xmlns:p159="http://schemas.microsoft.com/office/powerpoint/2015/09/main">
+    <mc:Choice Requires="p159">
       <p:transition xmlns:p14="http://schemas.microsoft.com/office/powerpoint/2010/main" spd="slow" p14:dur="2000">
         <p159:morph option="byObject"/>
       </p:transition>
     </mc:Choice>
-    <mc:Fallback>
+    <mc:Fallback xmlns="">
       <p:transition spd="slow">
         <p:fade/>
       </p:transition>
@@ -18454,13 +18459,13 @@
   <p:clrMapOvr>
     <a:masterClrMapping/>
   </p:clrMapOvr>
-  <mc:AlternateContent xmlns:mc="http://schemas.openxmlformats.org/markup-compatibility/2006">
-    <mc:Choice xmlns:p159="http://schemas.microsoft.com/office/powerpoint/2015/09/main" Requires="p159">
+  <mc:AlternateContent xmlns:mc="http://schemas.openxmlformats.org/markup-compatibility/2006" xmlns:p159="http://schemas.microsoft.com/office/powerpoint/2015/09/main">
+    <mc:Choice Requires="p159">
       <p:transition xmlns:p14="http://schemas.microsoft.com/office/powerpoint/2010/main" spd="slow" p14:dur="2000">
         <p159:morph option="byObject"/>
       </p:transition>
     </mc:Choice>
-    <mc:Fallback>
+    <mc:Fallback xmlns="">
       <p:transition spd="slow">
         <p:fade/>
       </p:transition>
@@ -18638,13 +18643,13 @@
   <p:clrMapOvr>
     <a:masterClrMapping/>
   </p:clrMapOvr>
-  <mc:AlternateContent xmlns:mc="http://schemas.openxmlformats.org/markup-compatibility/2006">
-    <mc:Choice xmlns:p159="http://schemas.microsoft.com/office/powerpoint/2015/09/main" Requires="p159">
+  <mc:AlternateContent xmlns:mc="http://schemas.openxmlformats.org/markup-compatibility/2006" xmlns:p159="http://schemas.microsoft.com/office/powerpoint/2015/09/main">
+    <mc:Choice Requires="p159">
       <p:transition xmlns:p14="http://schemas.microsoft.com/office/powerpoint/2010/main" spd="slow" p14:dur="2000">
         <p159:morph option="byObject"/>
       </p:transition>
     </mc:Choice>
-    <mc:Fallback>
+    <mc:Fallback xmlns="">
       <p:transition spd="slow">
         <p:fade/>
       </p:transition>
@@ -18893,13 +18898,13 @@
   <p:clrMapOvr>
     <a:masterClrMapping/>
   </p:clrMapOvr>
-  <mc:AlternateContent xmlns:mc="http://schemas.openxmlformats.org/markup-compatibility/2006">
-    <mc:Choice xmlns:p159="http://schemas.microsoft.com/office/powerpoint/2015/09/main" Requires="p159">
+  <mc:AlternateContent xmlns:mc="http://schemas.openxmlformats.org/markup-compatibility/2006" xmlns:p159="http://schemas.microsoft.com/office/powerpoint/2015/09/main">
+    <mc:Choice Requires="p159">
       <p:transition xmlns:p14="http://schemas.microsoft.com/office/powerpoint/2010/main" spd="slow" p14:dur="2000">
         <p159:morph option="byObject"/>
       </p:transition>
     </mc:Choice>
-    <mc:Fallback>
+    <mc:Fallback xmlns="">
       <p:transition spd="slow">
         <p:fade/>
       </p:transition>
@@ -19023,13 +19028,13 @@
   <p:clrMapOvr>
     <a:masterClrMapping/>
   </p:clrMapOvr>
-  <mc:AlternateContent xmlns:mc="http://schemas.openxmlformats.org/markup-compatibility/2006">
-    <mc:Choice xmlns:p159="http://schemas.microsoft.com/office/powerpoint/2015/09/main" Requires="p159">
+  <mc:AlternateContent xmlns:mc="http://schemas.openxmlformats.org/markup-compatibility/2006" xmlns:p159="http://schemas.microsoft.com/office/powerpoint/2015/09/main">
+    <mc:Choice Requires="p159">
       <p:transition xmlns:p14="http://schemas.microsoft.com/office/powerpoint/2010/main" spd="slow" p14:dur="2000">
         <p159:morph option="byObject"/>
       </p:transition>
     </mc:Choice>
-    <mc:Fallback>
+    <mc:Fallback xmlns="">
       <p:transition spd="slow">
         <p:fade/>
       </p:transition>
@@ -19266,13 +19271,13 @@
   <p:clrMapOvr>
     <a:masterClrMapping/>
   </p:clrMapOvr>
-  <mc:AlternateContent xmlns:mc="http://schemas.openxmlformats.org/markup-compatibility/2006">
-    <mc:Choice xmlns:p159="http://schemas.microsoft.com/office/powerpoint/2015/09/main" Requires="p159">
+  <mc:AlternateContent xmlns:mc="http://schemas.openxmlformats.org/markup-compatibility/2006" xmlns:p159="http://schemas.microsoft.com/office/powerpoint/2015/09/main">
+    <mc:Choice Requires="p159">
       <p:transition xmlns:p14="http://schemas.microsoft.com/office/powerpoint/2010/main" spd="slow" p14:dur="2000">
         <p159:morph option="byObject"/>
       </p:transition>
     </mc:Choice>
-    <mc:Fallback>
+    <mc:Fallback xmlns="">
       <p:transition spd="slow">
         <p:fade/>
       </p:transition>
@@ -19525,13 +19530,13 @@
   <p:clrMapOvr>
     <a:masterClrMapping/>
   </p:clrMapOvr>
-  <mc:AlternateContent xmlns:mc="http://schemas.openxmlformats.org/markup-compatibility/2006">
-    <mc:Choice xmlns:p159="http://schemas.microsoft.com/office/powerpoint/2015/09/main" Requires="p159">
+  <mc:AlternateContent xmlns:mc="http://schemas.openxmlformats.org/markup-compatibility/2006" xmlns:p159="http://schemas.microsoft.com/office/powerpoint/2015/09/main">
+    <mc:Choice Requires="p159">
       <p:transition xmlns:p14="http://schemas.microsoft.com/office/powerpoint/2010/main" spd="slow" p14:dur="2000">
         <p159:morph option="byObject"/>
       </p:transition>
     </mc:Choice>
-    <mc:Fallback>
+    <mc:Fallback xmlns="">
       <p:transition spd="slow">
         <p:fade/>
       </p:transition>
@@ -19765,13 +19770,13 @@
   <p:clrMapOvr>
     <a:masterClrMapping/>
   </p:clrMapOvr>
-  <mc:AlternateContent xmlns:mc="http://schemas.openxmlformats.org/markup-compatibility/2006">
-    <mc:Choice xmlns:p159="http://schemas.microsoft.com/office/powerpoint/2015/09/main" Requires="p159">
+  <mc:AlternateContent xmlns:mc="http://schemas.openxmlformats.org/markup-compatibility/2006" xmlns:p159="http://schemas.microsoft.com/office/powerpoint/2015/09/main">
+    <mc:Choice Requires="p159">
       <p:transition xmlns:p14="http://schemas.microsoft.com/office/powerpoint/2010/main" spd="slow" p14:dur="2000">
         <p159:morph option="byObject"/>
       </p:transition>
     </mc:Choice>
-    <mc:Fallback>
+    <mc:Fallback xmlns="">
       <p:transition spd="slow">
         <p:fade/>
       </p:transition>
@@ -19970,12 +19975,25 @@
             <p:ph type="subTitle" idx="1"/>
           </p:nvPr>
         </p:nvSpPr>
-        <p:spPr/>
+        <p:spPr>
+          <a:xfrm>
+            <a:off x="2781506" y="4591279"/>
+            <a:ext cx="6831673" cy="1086237"/>
+          </a:xfrm>
+        </p:spPr>
         <p:txBody>
           <a:bodyPr/>
           <a:lstStyle/>
           <a:p>
-            <a:endParaRPr lang="fr-FR"/>
+            <a:r>
+              <a:rPr lang="fr-FR" dirty="0"/>
+              <a:t>Et un </a:t>
+            </a:r>
+            <a:r>
+              <a:rPr lang="fr-FR"/>
+              <a:t>Merci à Jérôme</a:t>
+            </a:r>
+            <a:endParaRPr lang="fr-FR" dirty="0"/>
           </a:p>
         </p:txBody>
       </p:sp>
@@ -20108,13 +20126,13 @@
   <p:clrMapOvr>
     <a:masterClrMapping/>
   </p:clrMapOvr>
-  <mc:AlternateContent xmlns:mc="http://schemas.openxmlformats.org/markup-compatibility/2006">
-    <mc:Choice xmlns:p159="http://schemas.microsoft.com/office/powerpoint/2015/09/main" Requires="p159">
+  <mc:AlternateContent xmlns:mc="http://schemas.openxmlformats.org/markup-compatibility/2006" xmlns:p159="http://schemas.microsoft.com/office/powerpoint/2015/09/main">
+    <mc:Choice Requires="p159">
       <p:transition xmlns:p14="http://schemas.microsoft.com/office/powerpoint/2010/main" spd="slow" p14:dur="2000">
         <p159:morph option="byObject"/>
       </p:transition>
     </mc:Choice>
-    <mc:Fallback>
+    <mc:Fallback xmlns="">
       <p:transition spd="slow">
         <p:fade/>
       </p:transition>
@@ -20482,13 +20500,13 @@
   <p:clrMapOvr>
     <a:masterClrMapping/>
   </p:clrMapOvr>
-  <mc:AlternateContent xmlns:mc="http://schemas.openxmlformats.org/markup-compatibility/2006">
-    <mc:Choice xmlns:p159="http://schemas.microsoft.com/office/powerpoint/2015/09/main" Requires="p159">
+  <mc:AlternateContent xmlns:mc="http://schemas.openxmlformats.org/markup-compatibility/2006" xmlns:p159="http://schemas.microsoft.com/office/powerpoint/2015/09/main">
+    <mc:Choice Requires="p159">
       <p:transition xmlns:p14="http://schemas.microsoft.com/office/powerpoint/2010/main" spd="slow" p14:dur="2000">
         <p159:morph option="byObject"/>
       </p:transition>
     </mc:Choice>
-    <mc:Fallback>
+    <mc:Fallback xmlns="">
       <p:transition spd="slow">
         <p:fade/>
       </p:transition>
@@ -21018,13 +21036,13 @@
   <p:clrMapOvr>
     <a:masterClrMapping/>
   </p:clrMapOvr>
-  <mc:AlternateContent xmlns:mc="http://schemas.openxmlformats.org/markup-compatibility/2006">
-    <mc:Choice xmlns:p159="http://schemas.microsoft.com/office/powerpoint/2015/09/main" Requires="p159">
+  <mc:AlternateContent xmlns:mc="http://schemas.openxmlformats.org/markup-compatibility/2006" xmlns:p159="http://schemas.microsoft.com/office/powerpoint/2015/09/main">
+    <mc:Choice Requires="p159">
       <p:transition xmlns:p14="http://schemas.microsoft.com/office/powerpoint/2010/main" spd="slow" p14:dur="2000">
         <p159:morph option="byObject"/>
       </p:transition>
     </mc:Choice>
-    <mc:Fallback>
+    <mc:Fallback xmlns="">
       <p:transition spd="slow">
         <p:fade/>
       </p:transition>
@@ -21148,13 +21166,13 @@
   <p:clrMapOvr>
     <a:masterClrMapping/>
   </p:clrMapOvr>
-  <mc:AlternateContent xmlns:mc="http://schemas.openxmlformats.org/markup-compatibility/2006">
-    <mc:Choice xmlns:p159="http://schemas.microsoft.com/office/powerpoint/2015/09/main" Requires="p159">
+  <mc:AlternateContent xmlns:mc="http://schemas.openxmlformats.org/markup-compatibility/2006" xmlns:p159="http://schemas.microsoft.com/office/powerpoint/2015/09/main">
+    <mc:Choice Requires="p159">
       <p:transition xmlns:p14="http://schemas.microsoft.com/office/powerpoint/2010/main" spd="slow" p14:dur="2000">
         <p159:morph option="byObject"/>
       </p:transition>
     </mc:Choice>
-    <mc:Fallback>
+    <mc:Fallback xmlns="">
       <p:transition spd="slow">
         <p:fade/>
       </p:transition>
@@ -21277,13 +21295,13 @@
   <p:clrMapOvr>
     <a:masterClrMapping/>
   </p:clrMapOvr>
-  <mc:AlternateContent xmlns:mc="http://schemas.openxmlformats.org/markup-compatibility/2006">
-    <mc:Choice xmlns:p159="http://schemas.microsoft.com/office/powerpoint/2015/09/main" Requires="p159">
+  <mc:AlternateContent xmlns:mc="http://schemas.openxmlformats.org/markup-compatibility/2006" xmlns:p159="http://schemas.microsoft.com/office/powerpoint/2015/09/main">
+    <mc:Choice Requires="p159">
       <p:transition xmlns:p14="http://schemas.microsoft.com/office/powerpoint/2010/main" spd="slow" p14:dur="2000">
         <p159:morph option="byObject"/>
       </p:transition>
     </mc:Choice>
-    <mc:Fallback>
+    <mc:Fallback xmlns="">
       <p:transition spd="slow">
         <p:fade/>
       </p:transition>
@@ -21407,13 +21425,13 @@
   <p:clrMapOvr>
     <a:masterClrMapping/>
   </p:clrMapOvr>
-  <mc:AlternateContent xmlns:mc="http://schemas.openxmlformats.org/markup-compatibility/2006">
-    <mc:Choice xmlns:p159="http://schemas.microsoft.com/office/powerpoint/2015/09/main" Requires="p159">
+  <mc:AlternateContent xmlns:mc="http://schemas.openxmlformats.org/markup-compatibility/2006" xmlns:p159="http://schemas.microsoft.com/office/powerpoint/2015/09/main">
+    <mc:Choice Requires="p159">
       <p:transition xmlns:p14="http://schemas.microsoft.com/office/powerpoint/2010/main" spd="slow" p14:dur="2000">
         <p159:morph option="byObject"/>
       </p:transition>
     </mc:Choice>
-    <mc:Fallback>
+    <mc:Fallback xmlns="">
       <p:transition spd="slow">
         <p:fade/>
       </p:transition>
@@ -21537,13 +21555,13 @@
   <p:clrMapOvr>
     <a:masterClrMapping/>
   </p:clrMapOvr>
-  <mc:AlternateContent xmlns:mc="http://schemas.openxmlformats.org/markup-compatibility/2006">
-    <mc:Choice xmlns:p159="http://schemas.microsoft.com/office/powerpoint/2015/09/main" Requires="p159">
+  <mc:AlternateContent xmlns:mc="http://schemas.openxmlformats.org/markup-compatibility/2006" xmlns:p159="http://schemas.microsoft.com/office/powerpoint/2015/09/main">
+    <mc:Choice Requires="p159">
       <p:transition xmlns:p14="http://schemas.microsoft.com/office/powerpoint/2010/main" spd="slow" p14:dur="2000">
         <p159:morph option="byObject"/>
       </p:transition>
     </mc:Choice>
-    <mc:Fallback>
+    <mc:Fallback xmlns="">
       <p:transition spd="slow">
         <p:fade/>
       </p:transition>
@@ -21667,13 +21685,13 @@
   <p:clrMapOvr>
     <a:masterClrMapping/>
   </p:clrMapOvr>
-  <mc:AlternateContent xmlns:mc="http://schemas.openxmlformats.org/markup-compatibility/2006">
-    <mc:Choice xmlns:p159="http://schemas.microsoft.com/office/powerpoint/2015/09/main" Requires="p159">
+  <mc:AlternateContent xmlns:mc="http://schemas.openxmlformats.org/markup-compatibility/2006" xmlns:p159="http://schemas.microsoft.com/office/powerpoint/2015/09/main">
+    <mc:Choice Requires="p159">
       <p:transition xmlns:p14="http://schemas.microsoft.com/office/powerpoint/2010/main" spd="slow" p14:dur="2000">
         <p159:morph option="byObject"/>
       </p:transition>
     </mc:Choice>
-    <mc:Fallback>
+    <mc:Fallback xmlns="">
       <p:transition spd="slow">
         <p:fade/>
       </p:transition>
